--- a/notebooks/YouSearcher_pitch.pptx
+++ b/notebooks/YouSearcher_pitch.pptx
@@ -5,11 +5,13 @@
     <p:sldMasterId id="2147483648" r:id="rId1"/>
   </p:sldMasterIdLst>
   <p:notesMasterIdLst>
-    <p:notesMasterId r:id="rId4"/>
+    <p:notesMasterId r:id="rId6"/>
   </p:notesMasterIdLst>
   <p:sldIdLst>
     <p:sldId id="256" r:id="rId2"/>
-    <p:sldId id="257" r:id="rId3"/>
+    <p:sldId id="259" r:id="rId3"/>
+    <p:sldId id="258" r:id="rId4"/>
+    <p:sldId id="257" r:id="rId5"/>
   </p:sldIdLst>
   <p:sldSz cx="12192000" cy="6858000"/>
   <p:notesSz cx="6858000" cy="9144000"/>
@@ -210,7 +212,7 @@
           <a:p>
             <a:fld id="{36BA5481-877D-4A13-961A-FDBDB52748F7}" type="datetimeFigureOut">
               <a:rPr lang="de-DE" smtClean="0"/>
-              <a:t>23.02.2021</a:t>
+              <a:t>24.02.2021</a:t>
             </a:fld>
             <a:endParaRPr lang="de-DE"/>
           </a:p>
@@ -521,6 +523,393 @@
           <a:bodyPr/>
           <a:lstStyle/>
           <a:p>
+            <a:r>
+              <a:rPr lang="de-DE" dirty="0"/>
+              <a:t>I </a:t>
+            </a:r>
+            <a:r>
+              <a:rPr lang="de-DE" dirty="0" err="1"/>
+              <a:t>often</a:t>
+            </a:r>
+            <a:r>
+              <a:rPr lang="de-DE" dirty="0"/>
+              <a:t> </a:t>
+            </a:r>
+            <a:r>
+              <a:rPr lang="de-DE" dirty="0" err="1"/>
+              <a:t>struggle</a:t>
+            </a:r>
+            <a:r>
+              <a:rPr lang="de-DE" dirty="0"/>
+              <a:t> </a:t>
+            </a:r>
+            <a:r>
+              <a:rPr lang="de-DE" dirty="0" err="1"/>
+              <a:t>finding</a:t>
+            </a:r>
+            <a:r>
+              <a:rPr lang="de-DE" dirty="0"/>
+              <a:t> </a:t>
+            </a:r>
+            <a:r>
+              <a:rPr lang="de-DE" dirty="0" err="1"/>
+              <a:t>the</a:t>
+            </a:r>
+            <a:r>
+              <a:rPr lang="de-DE" dirty="0"/>
+              <a:t> </a:t>
+            </a:r>
+            <a:r>
+              <a:rPr lang="de-DE" dirty="0" err="1"/>
+              <a:t>right</a:t>
+            </a:r>
+            <a:r>
+              <a:rPr lang="de-DE" dirty="0"/>
+              <a:t> YT </a:t>
+            </a:r>
+            <a:r>
+              <a:rPr lang="de-DE" dirty="0" err="1"/>
+              <a:t>video</a:t>
+            </a:r>
+            <a:r>
+              <a:rPr lang="de-DE" dirty="0"/>
+              <a:t> </a:t>
+            </a:r>
+            <a:r>
+              <a:rPr lang="de-DE" dirty="0" err="1"/>
+              <a:t>to</a:t>
+            </a:r>
+            <a:r>
+              <a:rPr lang="de-DE" dirty="0"/>
+              <a:t> </a:t>
+            </a:r>
+            <a:r>
+              <a:rPr lang="de-DE" dirty="0" err="1"/>
+              <a:t>learn</a:t>
+            </a:r>
+            <a:r>
+              <a:rPr lang="de-DE" dirty="0"/>
+              <a:t> </a:t>
+            </a:r>
+            <a:r>
+              <a:rPr lang="de-DE" dirty="0" err="1"/>
+              <a:t>new</a:t>
+            </a:r>
+            <a:r>
+              <a:rPr lang="de-DE" dirty="0"/>
+              <a:t> </a:t>
+            </a:r>
+            <a:r>
+              <a:rPr lang="de-DE" dirty="0" err="1"/>
+              <a:t>concepts</a:t>
+            </a:r>
+            <a:r>
+              <a:rPr lang="de-DE" dirty="0"/>
+              <a:t>. </a:t>
+            </a:r>
+          </a:p>
+          <a:p>
+            <a:r>
+              <a:rPr lang="de-DE" dirty="0"/>
+              <a:t>I open a </a:t>
+            </a:r>
+            <a:r>
+              <a:rPr lang="de-DE" dirty="0" err="1"/>
+              <a:t>lot</a:t>
+            </a:r>
+            <a:r>
+              <a:rPr lang="de-DE" dirty="0"/>
+              <a:t> </a:t>
+            </a:r>
+            <a:r>
+              <a:rPr lang="de-DE" dirty="0" err="1"/>
+              <a:t>of</a:t>
+            </a:r>
+            <a:r>
+              <a:rPr lang="de-DE" dirty="0"/>
+              <a:t> </a:t>
+            </a:r>
+            <a:r>
+              <a:rPr lang="de-DE" dirty="0" err="1"/>
+              <a:t>them</a:t>
+            </a:r>
+            <a:r>
+              <a:rPr lang="de-DE" dirty="0"/>
+              <a:t> in </a:t>
+            </a:r>
+            <a:r>
+              <a:rPr lang="de-DE" dirty="0" err="1"/>
+              <a:t>several</a:t>
+            </a:r>
+            <a:r>
+              <a:rPr lang="de-DE" dirty="0"/>
+              <a:t> </a:t>
+            </a:r>
+            <a:r>
+              <a:rPr lang="de-DE" dirty="0" err="1"/>
+              <a:t>tabs</a:t>
+            </a:r>
+            <a:endParaRPr lang="de-DE" dirty="0"/>
+          </a:p>
+          <a:p>
+            <a:endParaRPr lang="de-DE" dirty="0"/>
+          </a:p>
+          <a:p>
+            <a:r>
+              <a:rPr lang="de-DE" dirty="0" err="1"/>
+              <a:t>Its</a:t>
+            </a:r>
+            <a:r>
+              <a:rPr lang="de-DE" dirty="0"/>
+              <a:t> like </a:t>
+            </a:r>
+            <a:r>
+              <a:rPr lang="de-DE" dirty="0" err="1"/>
+              <a:t>finding</a:t>
+            </a:r>
+            <a:r>
+              <a:rPr lang="de-DE" dirty="0"/>
+              <a:t> </a:t>
+            </a:r>
+            <a:r>
+              <a:rPr lang="de-DE" dirty="0" err="1"/>
+              <a:t>the</a:t>
+            </a:r>
+            <a:r>
+              <a:rPr lang="de-DE" dirty="0"/>
+              <a:t> </a:t>
+            </a:r>
+            <a:r>
+              <a:rPr lang="de-DE" dirty="0" err="1"/>
+              <a:t>right</a:t>
+            </a:r>
+            <a:r>
+              <a:rPr lang="de-DE" dirty="0"/>
+              <a:t> </a:t>
+            </a:r>
+            <a:r>
+              <a:rPr lang="de-DE" dirty="0" err="1"/>
+              <a:t>meal</a:t>
+            </a:r>
+            <a:r>
+              <a:rPr lang="de-DE" dirty="0"/>
+              <a:t> on a </a:t>
+            </a:r>
+            <a:r>
+              <a:rPr lang="de-DE" dirty="0" err="1"/>
+              <a:t>menu</a:t>
+            </a:r>
+            <a:r>
+              <a:rPr lang="de-DE" dirty="0"/>
+              <a:t>.. </a:t>
+            </a:r>
+            <a:r>
+              <a:rPr lang="de-DE" dirty="0" err="1"/>
+              <a:t>you</a:t>
+            </a:r>
+            <a:r>
+              <a:rPr lang="de-DE" dirty="0"/>
+              <a:t> </a:t>
+            </a:r>
+            <a:r>
+              <a:rPr lang="de-DE" dirty="0" err="1"/>
+              <a:t>never</a:t>
+            </a:r>
+            <a:r>
+              <a:rPr lang="de-DE" dirty="0"/>
+              <a:t> </a:t>
+            </a:r>
+            <a:r>
+              <a:rPr lang="de-DE" dirty="0" err="1"/>
+              <a:t>know</a:t>
+            </a:r>
+            <a:r>
+              <a:rPr lang="de-DE" dirty="0"/>
+              <a:t> </a:t>
+            </a:r>
+            <a:r>
+              <a:rPr lang="de-DE" dirty="0" err="1"/>
+              <a:t>whats</a:t>
+            </a:r>
+            <a:r>
+              <a:rPr lang="de-DE" dirty="0"/>
+              <a:t> </a:t>
+            </a:r>
+            <a:r>
+              <a:rPr lang="de-DE" dirty="0" err="1"/>
+              <a:t>is</a:t>
+            </a:r>
+            <a:r>
+              <a:rPr lang="de-DE" dirty="0"/>
+              <a:t> best.</a:t>
+            </a:r>
+          </a:p>
+        </p:txBody>
+      </p:sp>
+      <p:sp>
+        <p:nvSpPr>
+          <p:cNvPr id="4" name="Foliennummernplatzhalter 3"/>
+          <p:cNvSpPr>
+            <a:spLocks noGrp="1"/>
+          </p:cNvSpPr>
+          <p:nvPr>
+            <p:ph type="sldNum" sz="quarter" idx="5"/>
+          </p:nvPr>
+        </p:nvSpPr>
+        <p:spPr/>
+        <p:txBody>
+          <a:bodyPr/>
+          <a:lstStyle/>
+          <a:p>
+            <a:fld id="{C5C1296C-3373-4A27-9ACE-E23172E10B93}" type="slidenum">
+              <a:rPr lang="de-DE" smtClean="0"/>
+              <a:t>2</a:t>
+            </a:fld>
+            <a:endParaRPr lang="de-DE"/>
+          </a:p>
+        </p:txBody>
+      </p:sp>
+    </p:spTree>
+    <p:extLst>
+      <p:ext uri="{BB962C8B-B14F-4D97-AF65-F5344CB8AC3E}">
+        <p14:creationId xmlns:p14="http://schemas.microsoft.com/office/powerpoint/2010/main" val="4240943962"/>
+      </p:ext>
+    </p:extLst>
+  </p:cSld>
+  <p:clrMapOvr>
+    <a:masterClrMapping/>
+  </p:clrMapOvr>
+</p:notes>
+</file>
+
+<file path=ppt/notesSlides/notesSlide2.xml><?xml version="1.0" encoding="utf-8"?>
+<p:notes xmlns:a="http://schemas.openxmlformats.org/drawingml/2006/main" xmlns:r="http://schemas.openxmlformats.org/officeDocument/2006/relationships" xmlns:p="http://schemas.openxmlformats.org/presentationml/2006/main">
+  <p:cSld>
+    <p:spTree>
+      <p:nvGrpSpPr>
+        <p:cNvPr id="1" name=""/>
+        <p:cNvGrpSpPr/>
+        <p:nvPr/>
+      </p:nvGrpSpPr>
+      <p:grpSpPr>
+        <a:xfrm>
+          <a:off x="0" y="0"/>
+          <a:ext cx="0" cy="0"/>
+          <a:chOff x="0" y="0"/>
+          <a:chExt cx="0" cy="0"/>
+        </a:xfrm>
+      </p:grpSpPr>
+      <p:sp>
+        <p:nvSpPr>
+          <p:cNvPr id="2" name="Folienbildplatzhalter 1"/>
+          <p:cNvSpPr>
+            <a:spLocks noGrp="1" noRot="1" noChangeAspect="1"/>
+          </p:cNvSpPr>
+          <p:nvPr>
+            <p:ph type="sldImg"/>
+          </p:nvPr>
+        </p:nvSpPr>
+        <p:spPr/>
+      </p:sp>
+      <p:sp>
+        <p:nvSpPr>
+          <p:cNvPr id="3" name="Notizenplatzhalter 2"/>
+          <p:cNvSpPr>
+            <a:spLocks noGrp="1"/>
+          </p:cNvSpPr>
+          <p:nvPr>
+            <p:ph type="body" idx="1"/>
+          </p:nvPr>
+        </p:nvSpPr>
+        <p:spPr/>
+        <p:txBody>
+          <a:bodyPr/>
+          <a:lstStyle/>
+          <a:p>
+            <a:endParaRPr lang="de-DE" dirty="0"/>
+          </a:p>
+        </p:txBody>
+      </p:sp>
+      <p:sp>
+        <p:nvSpPr>
+          <p:cNvPr id="4" name="Foliennummernplatzhalter 3"/>
+          <p:cNvSpPr>
+            <a:spLocks noGrp="1"/>
+          </p:cNvSpPr>
+          <p:nvPr>
+            <p:ph type="sldNum" sz="quarter" idx="5"/>
+          </p:nvPr>
+        </p:nvSpPr>
+        <p:spPr/>
+        <p:txBody>
+          <a:bodyPr/>
+          <a:lstStyle/>
+          <a:p>
+            <a:fld id="{C5C1296C-3373-4A27-9ACE-E23172E10B93}" type="slidenum">
+              <a:rPr lang="de-DE" smtClean="0"/>
+              <a:t>3</a:t>
+            </a:fld>
+            <a:endParaRPr lang="de-DE"/>
+          </a:p>
+        </p:txBody>
+      </p:sp>
+    </p:spTree>
+    <p:extLst>
+      <p:ext uri="{BB962C8B-B14F-4D97-AF65-F5344CB8AC3E}">
+        <p14:creationId xmlns:p14="http://schemas.microsoft.com/office/powerpoint/2010/main" val="3456061507"/>
+      </p:ext>
+    </p:extLst>
+  </p:cSld>
+  <p:clrMapOvr>
+    <a:masterClrMapping/>
+  </p:clrMapOvr>
+</p:notes>
+</file>
+
+<file path=ppt/notesSlides/notesSlide3.xml><?xml version="1.0" encoding="utf-8"?>
+<p:notes xmlns:a="http://schemas.openxmlformats.org/drawingml/2006/main" xmlns:r="http://schemas.openxmlformats.org/officeDocument/2006/relationships" xmlns:p="http://schemas.openxmlformats.org/presentationml/2006/main">
+  <p:cSld>
+    <p:spTree>
+      <p:nvGrpSpPr>
+        <p:cNvPr id="1" name=""/>
+        <p:cNvGrpSpPr/>
+        <p:nvPr/>
+      </p:nvGrpSpPr>
+      <p:grpSpPr>
+        <a:xfrm>
+          <a:off x="0" y="0"/>
+          <a:ext cx="0" cy="0"/>
+          <a:chOff x="0" y="0"/>
+          <a:chExt cx="0" cy="0"/>
+        </a:xfrm>
+      </p:grpSpPr>
+      <p:sp>
+        <p:nvSpPr>
+          <p:cNvPr id="2" name="Folienbildplatzhalter 1"/>
+          <p:cNvSpPr>
+            <a:spLocks noGrp="1" noRot="1" noChangeAspect="1"/>
+          </p:cNvSpPr>
+          <p:nvPr>
+            <p:ph type="sldImg"/>
+          </p:nvPr>
+        </p:nvSpPr>
+        <p:spPr/>
+      </p:sp>
+      <p:sp>
+        <p:nvSpPr>
+          <p:cNvPr id="3" name="Notizenplatzhalter 2"/>
+          <p:cNvSpPr>
+            <a:spLocks noGrp="1"/>
+          </p:cNvSpPr>
+          <p:nvPr>
+            <p:ph type="body" idx="1"/>
+          </p:nvPr>
+        </p:nvSpPr>
+        <p:spPr/>
+        <p:txBody>
+          <a:bodyPr/>
+          <a:lstStyle/>
+          <a:p>
             <a:pPr marL="0" marR="0" lvl="0" indent="0" algn="l" defTabSz="914400" rtl="0" eaLnBrk="1" fontAlgn="auto" latinLnBrk="0" hangingPunct="1">
               <a:lnSpc>
                 <a:spcPct val="100000"/>
@@ -542,37 +931,6 @@
               <a:rPr lang="en-US" dirty="0"/>
               <a:t>Get a slice of every pizza on the menu</a:t>
             </a:r>
-          </a:p>
-          <a:p>
-            <a:pPr marL="0" marR="0" lvl="0" indent="0" algn="l" defTabSz="914400" rtl="0" eaLnBrk="1" fontAlgn="auto" latinLnBrk="0" hangingPunct="1">
-              <a:lnSpc>
-                <a:spcPct val="100000"/>
-              </a:lnSpc>
-              <a:spcBef>
-                <a:spcPts val="0"/>
-              </a:spcBef>
-              <a:spcAft>
-                <a:spcPts val="0"/>
-              </a:spcAft>
-              <a:buClrTx/>
-              <a:buSzTx/>
-              <a:buFontTx/>
-              <a:buNone/>
-              <a:tabLst/>
-              <a:defRPr/>
-            </a:pPr>
-            <a:r>
-              <a:rPr lang="de-DE" dirty="0" err="1"/>
-              <a:t>Automated</a:t>
-            </a:r>
-            <a:r>
-              <a:rPr lang="de-DE" dirty="0"/>
-              <a:t> </a:t>
-            </a:r>
-            <a:r>
-              <a:rPr lang="de-DE" dirty="0" err="1"/>
-              <a:t>Blinkist</a:t>
-            </a:r>
             <a:endParaRPr lang="de-DE" dirty="0"/>
           </a:p>
           <a:p>
@@ -610,6 +968,18 @@
             <a:endParaRPr lang="en-US" dirty="0"/>
           </a:p>
           <a:p>
+            <a:r>
+              <a:rPr lang="de-DE" dirty="0" err="1"/>
+              <a:t>Dataaset</a:t>
+            </a:r>
+            <a:r>
+              <a:rPr lang="de-DE" dirty="0"/>
+              <a:t> =&gt; 4000 </a:t>
+            </a:r>
+            <a:r>
+              <a:rPr lang="de-DE"/>
+              <a:t>videos</a:t>
+            </a:r>
             <a:endParaRPr lang="de-DE" dirty="0"/>
           </a:p>
         </p:txBody>
@@ -631,7 +1001,7 @@
           <a:p>
             <a:fld id="{C5C1296C-3373-4A27-9ACE-E23172E10B93}" type="slidenum">
               <a:rPr lang="de-DE" smtClean="0"/>
-              <a:t>2</a:t>
+              <a:t>4</a:t>
             </a:fld>
             <a:endParaRPr lang="de-DE"/>
           </a:p>
@@ -797,7 +1167,7 @@
           <a:p>
             <a:fld id="{34C66715-B708-497B-8D9C-943791D41B23}" type="datetimeFigureOut">
               <a:rPr lang="de-DE" smtClean="0"/>
-              <a:t>23.02.2021</a:t>
+              <a:t>24.02.2021</a:t>
             </a:fld>
             <a:endParaRPr lang="de-DE"/>
           </a:p>
@@ -995,7 +1365,7 @@
           <a:p>
             <a:fld id="{34C66715-B708-497B-8D9C-943791D41B23}" type="datetimeFigureOut">
               <a:rPr lang="de-DE" smtClean="0"/>
-              <a:t>23.02.2021</a:t>
+              <a:t>24.02.2021</a:t>
             </a:fld>
             <a:endParaRPr lang="de-DE"/>
           </a:p>
@@ -1203,7 +1573,7 @@
           <a:p>
             <a:fld id="{34C66715-B708-497B-8D9C-943791D41B23}" type="datetimeFigureOut">
               <a:rPr lang="de-DE" smtClean="0"/>
-              <a:t>23.02.2021</a:t>
+              <a:t>24.02.2021</a:t>
             </a:fld>
             <a:endParaRPr lang="de-DE"/>
           </a:p>
@@ -1401,7 +1771,7 @@
           <a:p>
             <a:fld id="{34C66715-B708-497B-8D9C-943791D41B23}" type="datetimeFigureOut">
               <a:rPr lang="de-DE" smtClean="0"/>
-              <a:t>23.02.2021</a:t>
+              <a:t>24.02.2021</a:t>
             </a:fld>
             <a:endParaRPr lang="de-DE"/>
           </a:p>
@@ -1676,7 +2046,7 @@
           <a:p>
             <a:fld id="{34C66715-B708-497B-8D9C-943791D41B23}" type="datetimeFigureOut">
               <a:rPr lang="de-DE" smtClean="0"/>
-              <a:t>23.02.2021</a:t>
+              <a:t>24.02.2021</a:t>
             </a:fld>
             <a:endParaRPr lang="de-DE"/>
           </a:p>
@@ -1941,7 +2311,7 @@
           <a:p>
             <a:fld id="{34C66715-B708-497B-8D9C-943791D41B23}" type="datetimeFigureOut">
               <a:rPr lang="de-DE" smtClean="0"/>
-              <a:t>23.02.2021</a:t>
+              <a:t>24.02.2021</a:t>
             </a:fld>
             <a:endParaRPr lang="de-DE"/>
           </a:p>
@@ -2353,7 +2723,7 @@
           <a:p>
             <a:fld id="{34C66715-B708-497B-8D9C-943791D41B23}" type="datetimeFigureOut">
               <a:rPr lang="de-DE" smtClean="0"/>
-              <a:t>23.02.2021</a:t>
+              <a:t>24.02.2021</a:t>
             </a:fld>
             <a:endParaRPr lang="de-DE"/>
           </a:p>
@@ -2494,7 +2864,7 @@
           <a:p>
             <a:fld id="{34C66715-B708-497B-8D9C-943791D41B23}" type="datetimeFigureOut">
               <a:rPr lang="de-DE" smtClean="0"/>
-              <a:t>23.02.2021</a:t>
+              <a:t>24.02.2021</a:t>
             </a:fld>
             <a:endParaRPr lang="de-DE"/>
           </a:p>
@@ -2607,7 +2977,7 @@
           <a:p>
             <a:fld id="{34C66715-B708-497B-8D9C-943791D41B23}" type="datetimeFigureOut">
               <a:rPr lang="de-DE" smtClean="0"/>
-              <a:t>23.02.2021</a:t>
+              <a:t>24.02.2021</a:t>
             </a:fld>
             <a:endParaRPr lang="de-DE"/>
           </a:p>
@@ -2918,7 +3288,7 @@
           <a:p>
             <a:fld id="{34C66715-B708-497B-8D9C-943791D41B23}" type="datetimeFigureOut">
               <a:rPr lang="de-DE" smtClean="0"/>
-              <a:t>23.02.2021</a:t>
+              <a:t>24.02.2021</a:t>
             </a:fld>
             <a:endParaRPr lang="de-DE"/>
           </a:p>
@@ -3206,7 +3576,7 @@
           <a:p>
             <a:fld id="{34C66715-B708-497B-8D9C-943791D41B23}" type="datetimeFigureOut">
               <a:rPr lang="de-DE" smtClean="0"/>
-              <a:t>23.02.2021</a:t>
+              <a:t>24.02.2021</a:t>
             </a:fld>
             <a:endParaRPr lang="de-DE"/>
           </a:p>
@@ -3283,9 +3653,15 @@
 <p:sldMaster xmlns:a="http://schemas.openxmlformats.org/drawingml/2006/main" xmlns:r="http://schemas.openxmlformats.org/officeDocument/2006/relationships" xmlns:p="http://schemas.openxmlformats.org/presentationml/2006/main">
   <p:cSld>
     <p:bg>
-      <p:bgRef idx="1001">
-        <a:schemeClr val="bg1"/>
-      </p:bgRef>
+      <p:bgPr>
+        <a:solidFill>
+          <a:schemeClr val="bg2">
+            <a:lumMod val="75000"/>
+            <a:alpha val="9000"/>
+          </a:schemeClr>
+        </a:solidFill>
+        <a:effectLst/>
+      </p:bgPr>
     </p:bg>
     <p:spTree>
       <p:nvGrpSpPr>
@@ -3447,7 +3823,7 @@
           <a:p>
             <a:fld id="{34C66715-B708-497B-8D9C-943791D41B23}" type="datetimeFigureOut">
               <a:rPr lang="de-DE" smtClean="0"/>
-              <a:t>23.02.2021</a:t>
+              <a:t>24.02.2021</a:t>
             </a:fld>
             <a:endParaRPr lang="de-DE"/>
           </a:p>
@@ -3864,6 +4240,74 @@
           <a:chExt cx="0" cy="0"/>
         </a:xfrm>
       </p:grpSpPr>
+      <p:pic>
+        <p:nvPicPr>
+          <p:cNvPr id="9" name="Grafik 8">
+            <a:extLst>
+              <a:ext uri="{FF2B5EF4-FFF2-40B4-BE49-F238E27FC236}">
+                <a16:creationId xmlns:a16="http://schemas.microsoft.com/office/drawing/2014/main" id="{376C48F4-1432-4EA5-92CF-17AE0AACEF74}"/>
+              </a:ext>
+            </a:extLst>
+          </p:cNvPr>
+          <p:cNvPicPr>
+            <a:picLocks noChangeAspect="1"/>
+          </p:cNvPicPr>
+          <p:nvPr/>
+        </p:nvPicPr>
+        <p:blipFill>
+          <a:blip r:embed="rId2">
+            <a:extLst>
+              <a:ext uri="{28A0092B-C50C-407E-A947-70E740481C1C}">
+                <a14:useLocalDpi xmlns:a14="http://schemas.microsoft.com/office/drawing/2010/main" val="0"/>
+              </a:ext>
+            </a:extLst>
+          </a:blip>
+          <a:stretch>
+            <a:fillRect/>
+          </a:stretch>
+        </p:blipFill>
+        <p:spPr>
+          <a:xfrm>
+            <a:off x="-3511296" y="-866966"/>
+            <a:ext cx="8577072" cy="4824603"/>
+          </a:xfrm>
+          <a:prstGeom prst="rect">
+            <a:avLst/>
+          </a:prstGeom>
+          <a:solidFill>
+            <a:srgbClr val="FFFFFF">
+              <a:shade val="85000"/>
+            </a:srgbClr>
+          </a:solidFill>
+          <a:ln w="101600" cap="sq">
+            <a:solidFill>
+              <a:srgbClr val="FDFDFD"/>
+            </a:solidFill>
+            <a:miter lim="800000"/>
+          </a:ln>
+          <a:effectLst>
+            <a:outerShdw blurRad="57150" dist="37500" dir="7560000" sy="98000" kx="110000" ky="200000" algn="tl" rotWithShape="0">
+              <a:srgbClr val="000000">
+                <a:alpha val="20000"/>
+              </a:srgbClr>
+            </a:outerShdw>
+          </a:effectLst>
+          <a:scene3d>
+            <a:camera prst="perspectiveRelaxed">
+              <a:rot lat="18960000" lon="0" rev="0"/>
+            </a:camera>
+            <a:lightRig rig="twoPt" dir="t">
+              <a:rot lat="0" lon="0" rev="7200000"/>
+            </a:lightRig>
+          </a:scene3d>
+          <a:sp3d prstMaterial="matte">
+            <a:bevelT w="22860" h="12700"/>
+            <a:contourClr>
+              <a:srgbClr val="FFFFFF"/>
+            </a:contourClr>
+          </a:sp3d>
+        </p:spPr>
+      </p:pic>
       <p:sp>
         <p:nvSpPr>
           <p:cNvPr id="2" name="Titel 1">
@@ -3915,11 +4359,13 @@
         </p:nvSpPr>
         <p:spPr/>
         <p:txBody>
-          <a:bodyPr/>
-          <a:lstStyle/>
-          <a:p>
-            <a:r>
-              <a:rPr lang="en-US" dirty="0">
+          <a:bodyPr>
+            <a:normAutofit/>
+          </a:bodyPr>
+          <a:lstStyle/>
+          <a:p>
+            <a:r>
+              <a:rPr lang="en-US" sz="2800" dirty="0">
                 <a:latin typeface="Bahnschrift" panose="020B0502040204020203" pitchFamily="34" charset="0"/>
               </a:rPr>
               <a:t>Quickly gain knowledge over a certain topic on YouTube</a:t>
@@ -3957,6 +4403,370 @@
           <a:chExt cx="0" cy="0"/>
         </a:xfrm>
       </p:grpSpPr>
+      <p:sp>
+        <p:nvSpPr>
+          <p:cNvPr id="3" name="Inhaltsplatzhalter 2">
+            <a:extLst>
+              <a:ext uri="{FF2B5EF4-FFF2-40B4-BE49-F238E27FC236}">
+                <a16:creationId xmlns:a16="http://schemas.microsoft.com/office/drawing/2014/main" id="{D54A3652-1DD3-47A2-BF4C-ED4B3CD7911D}"/>
+              </a:ext>
+            </a:extLst>
+          </p:cNvPr>
+          <p:cNvSpPr>
+            <a:spLocks noGrp="1"/>
+          </p:cNvSpPr>
+          <p:nvPr>
+            <p:ph idx="1"/>
+          </p:nvPr>
+        </p:nvSpPr>
+        <p:spPr>
+          <a:xfrm>
+            <a:off x="838200" y="493776"/>
+            <a:ext cx="10515600" cy="5683187"/>
+          </a:xfrm>
+        </p:spPr>
+        <p:txBody>
+          <a:bodyPr/>
+          <a:lstStyle/>
+          <a:p>
+            <a:pPr marL="0" indent="0">
+              <a:buNone/>
+            </a:pPr>
+            <a:r>
+              <a:rPr lang="de-DE" sz="3600" dirty="0" err="1">
+                <a:latin typeface="Bahnschrift" panose="020B0502040204020203" pitchFamily="34" charset="0"/>
+              </a:rPr>
+              <a:t>Does</a:t>
+            </a:r>
+            <a:r>
+              <a:rPr lang="de-DE" sz="3600" dirty="0">
+                <a:latin typeface="Bahnschrift" panose="020B0502040204020203" pitchFamily="34" charset="0"/>
+              </a:rPr>
+              <a:t> </a:t>
+            </a:r>
+            <a:r>
+              <a:rPr lang="de-DE" sz="3600" dirty="0" err="1">
+                <a:latin typeface="Bahnschrift" panose="020B0502040204020203" pitchFamily="34" charset="0"/>
+              </a:rPr>
+              <a:t>this</a:t>
+            </a:r>
+            <a:r>
+              <a:rPr lang="de-DE" sz="3600" dirty="0">
+                <a:latin typeface="Bahnschrift" panose="020B0502040204020203" pitchFamily="34" charset="0"/>
+              </a:rPr>
+              <a:t> </a:t>
+            </a:r>
+            <a:r>
+              <a:rPr lang="de-DE" sz="3600" dirty="0" err="1">
+                <a:latin typeface="Bahnschrift" panose="020B0502040204020203" pitchFamily="34" charset="0"/>
+              </a:rPr>
+              <a:t>look</a:t>
+            </a:r>
+            <a:r>
+              <a:rPr lang="de-DE" sz="3600" dirty="0">
+                <a:latin typeface="Bahnschrift" panose="020B0502040204020203" pitchFamily="34" charset="0"/>
+              </a:rPr>
+              <a:t> </a:t>
+            </a:r>
+            <a:r>
+              <a:rPr lang="de-DE" sz="3600" dirty="0" err="1">
+                <a:latin typeface="Bahnschrift" panose="020B0502040204020203" pitchFamily="34" charset="0"/>
+              </a:rPr>
+              <a:t>familiar</a:t>
+            </a:r>
+            <a:r>
+              <a:rPr lang="de-DE" sz="3600" dirty="0">
+                <a:latin typeface="Bahnschrift" panose="020B0502040204020203" pitchFamily="34" charset="0"/>
+              </a:rPr>
+              <a:t> </a:t>
+            </a:r>
+            <a:r>
+              <a:rPr lang="de-DE" sz="3600" dirty="0" err="1">
+                <a:latin typeface="Bahnschrift" panose="020B0502040204020203" pitchFamily="34" charset="0"/>
+              </a:rPr>
+              <a:t>to</a:t>
+            </a:r>
+            <a:r>
+              <a:rPr lang="de-DE" sz="3600" dirty="0">
+                <a:latin typeface="Bahnschrift" panose="020B0502040204020203" pitchFamily="34" charset="0"/>
+              </a:rPr>
+              <a:t> </a:t>
+            </a:r>
+            <a:r>
+              <a:rPr lang="de-DE" sz="3600" dirty="0" err="1">
+                <a:latin typeface="Bahnschrift" panose="020B0502040204020203" pitchFamily="34" charset="0"/>
+              </a:rPr>
+              <a:t>you</a:t>
+            </a:r>
+            <a:r>
+              <a:rPr lang="de-DE" sz="3600" dirty="0">
+                <a:latin typeface="Bahnschrift" panose="020B0502040204020203" pitchFamily="34" charset="0"/>
+              </a:rPr>
+              <a:t>?</a:t>
+            </a:r>
+            <a:r>
+              <a:rPr lang="de-DE" dirty="0"/>
+              <a:t> </a:t>
+            </a:r>
+          </a:p>
+        </p:txBody>
+      </p:sp>
+      <p:pic>
+        <p:nvPicPr>
+          <p:cNvPr id="5" name="Grafik 4">
+            <a:extLst>
+              <a:ext uri="{FF2B5EF4-FFF2-40B4-BE49-F238E27FC236}">
+                <a16:creationId xmlns:a16="http://schemas.microsoft.com/office/drawing/2014/main" id="{287D129C-FFF0-430A-9951-A5F071711101}"/>
+              </a:ext>
+            </a:extLst>
+          </p:cNvPr>
+          <p:cNvPicPr>
+            <a:picLocks noChangeAspect="1"/>
+          </p:cNvPicPr>
+          <p:nvPr/>
+        </p:nvPicPr>
+        <p:blipFill>
+          <a:blip r:embed="rId3"/>
+          <a:stretch>
+            <a:fillRect/>
+          </a:stretch>
+        </p:blipFill>
+        <p:spPr>
+          <a:xfrm rot="1013620">
+            <a:off x="-1946863" y="3427756"/>
+            <a:ext cx="15590409" cy="835037"/>
+          </a:xfrm>
+          <a:prstGeom prst="rect">
+            <a:avLst/>
+          </a:prstGeom>
+        </p:spPr>
+      </p:pic>
+    </p:spTree>
+    <p:extLst>
+      <p:ext uri="{BB962C8B-B14F-4D97-AF65-F5344CB8AC3E}">
+        <p14:creationId xmlns:p14="http://schemas.microsoft.com/office/powerpoint/2010/main" val="3715302475"/>
+      </p:ext>
+    </p:extLst>
+  </p:cSld>
+  <p:clrMapOvr>
+    <a:masterClrMapping/>
+  </p:clrMapOvr>
+</p:sld>
+</file>
+
+<file path=ppt/slides/slide3.xml><?xml version="1.0" encoding="utf-8"?>
+<p:sld xmlns:a="http://schemas.openxmlformats.org/drawingml/2006/main" xmlns:r="http://schemas.openxmlformats.org/officeDocument/2006/relationships" xmlns:p="http://schemas.openxmlformats.org/presentationml/2006/main">
+  <p:cSld>
+    <p:spTree>
+      <p:nvGrpSpPr>
+        <p:cNvPr id="1" name=""/>
+        <p:cNvGrpSpPr/>
+        <p:nvPr/>
+      </p:nvGrpSpPr>
+      <p:grpSpPr>
+        <a:xfrm>
+          <a:off x="0" y="0"/>
+          <a:ext cx="0" cy="0"/>
+          <a:chOff x="0" y="0"/>
+          <a:chExt cx="0" cy="0"/>
+        </a:xfrm>
+      </p:grpSpPr>
+      <p:sp>
+        <p:nvSpPr>
+          <p:cNvPr id="3" name="Inhaltsplatzhalter 2">
+            <a:extLst>
+              <a:ext uri="{FF2B5EF4-FFF2-40B4-BE49-F238E27FC236}">
+                <a16:creationId xmlns:a16="http://schemas.microsoft.com/office/drawing/2014/main" id="{37B3A39B-1836-4A12-8AF5-BCB62ECEDF15}"/>
+              </a:ext>
+            </a:extLst>
+          </p:cNvPr>
+          <p:cNvSpPr>
+            <a:spLocks noGrp="1"/>
+          </p:cNvSpPr>
+          <p:nvPr>
+            <p:ph idx="1"/>
+          </p:nvPr>
+        </p:nvSpPr>
+        <p:spPr>
+          <a:xfrm>
+            <a:off x="838200" y="640080"/>
+            <a:ext cx="10515600" cy="5536883"/>
+          </a:xfrm>
+        </p:spPr>
+        <p:txBody>
+          <a:bodyPr anchor="ctr">
+            <a:normAutofit/>
+          </a:bodyPr>
+          <a:lstStyle/>
+          <a:p>
+            <a:pPr marL="0" indent="0" algn="ctr">
+              <a:buNone/>
+            </a:pPr>
+            <a:r>
+              <a:rPr lang="de-DE" sz="4400" i="1" dirty="0" err="1">
+                <a:latin typeface="Bahnschrift" panose="020B0502040204020203" pitchFamily="34" charset="0"/>
+              </a:rPr>
+              <a:t>How</a:t>
+            </a:r>
+            <a:r>
+              <a:rPr lang="de-DE" sz="4400" i="1" dirty="0">
+                <a:latin typeface="Bahnschrift" panose="020B0502040204020203" pitchFamily="34" charset="0"/>
+              </a:rPr>
+              <a:t> </a:t>
+            </a:r>
+            <a:r>
+              <a:rPr lang="de-DE" sz="4400" i="1" dirty="0" err="1">
+                <a:latin typeface="Bahnschrift" panose="020B0502040204020203" pitchFamily="34" charset="0"/>
+              </a:rPr>
+              <a:t>about</a:t>
+            </a:r>
+            <a:r>
+              <a:rPr lang="de-DE" sz="4400" i="1" dirty="0">
+                <a:latin typeface="Bahnschrift" panose="020B0502040204020203" pitchFamily="34" charset="0"/>
+              </a:rPr>
+              <a:t> </a:t>
+            </a:r>
+            <a:r>
+              <a:rPr lang="de-DE" sz="4400" i="1" dirty="0" err="1">
+                <a:latin typeface="Bahnschrift" panose="020B0502040204020203" pitchFamily="34" charset="0"/>
+              </a:rPr>
+              <a:t>we</a:t>
+            </a:r>
+            <a:r>
+              <a:rPr lang="de-DE" sz="4400" i="1" dirty="0">
+                <a:latin typeface="Bahnschrift" panose="020B0502040204020203" pitchFamily="34" charset="0"/>
+              </a:rPr>
+              <a:t> </a:t>
+            </a:r>
+            <a:r>
+              <a:rPr lang="de-DE" sz="4400" i="1" dirty="0" err="1">
+                <a:latin typeface="Bahnschrift" panose="020B0502040204020203" pitchFamily="34" charset="0"/>
+              </a:rPr>
+              <a:t>create</a:t>
+            </a:r>
+            <a:r>
+              <a:rPr lang="de-DE" sz="4400" i="1" dirty="0">
+                <a:latin typeface="Bahnschrift" panose="020B0502040204020203" pitchFamily="34" charset="0"/>
+              </a:rPr>
+              <a:t> </a:t>
+            </a:r>
+            <a:r>
+              <a:rPr lang="de-DE" sz="4400" i="1" dirty="0" err="1">
+                <a:latin typeface="Bahnschrift" panose="020B0502040204020203" pitchFamily="34" charset="0"/>
+              </a:rPr>
+              <a:t>our</a:t>
+            </a:r>
+            <a:r>
+              <a:rPr lang="de-DE" sz="4400" i="1" dirty="0">
+                <a:latin typeface="Bahnschrift" panose="020B0502040204020203" pitchFamily="34" charset="0"/>
+              </a:rPr>
+              <a:t> own </a:t>
+            </a:r>
+            <a:r>
+              <a:rPr lang="de-DE" sz="4400" i="1" dirty="0" err="1">
+                <a:latin typeface="Bahnschrift" panose="020B0502040204020203" pitchFamily="34" charset="0"/>
+              </a:rPr>
+              <a:t>Blinkist</a:t>
+            </a:r>
+            <a:r>
+              <a:rPr lang="de-DE" sz="4400" i="1" dirty="0">
+                <a:latin typeface="Bahnschrift" panose="020B0502040204020203" pitchFamily="34" charset="0"/>
+              </a:rPr>
+              <a:t> </a:t>
+            </a:r>
+            <a:r>
+              <a:rPr lang="de-DE" sz="4400" i="1" dirty="0" err="1">
+                <a:latin typeface="Bahnschrift" panose="020B0502040204020203" pitchFamily="34" charset="0"/>
+              </a:rPr>
+              <a:t>for</a:t>
+            </a:r>
+            <a:r>
+              <a:rPr lang="de-DE" sz="4400" i="1" dirty="0">
+                <a:latin typeface="Bahnschrift" panose="020B0502040204020203" pitchFamily="34" charset="0"/>
+              </a:rPr>
+              <a:t> YouTube </a:t>
+            </a:r>
+            <a:r>
+              <a:rPr lang="de-DE" sz="4400" i="1" dirty="0" err="1">
+                <a:latin typeface="Bahnschrift" panose="020B0502040204020203" pitchFamily="34" charset="0"/>
+              </a:rPr>
+              <a:t>with</a:t>
+            </a:r>
+            <a:r>
+              <a:rPr lang="de-DE" sz="4400" i="1" dirty="0">
+                <a:latin typeface="Bahnschrift" panose="020B0502040204020203" pitchFamily="34" charset="0"/>
+              </a:rPr>
+              <a:t> </a:t>
+            </a:r>
+            <a:r>
+              <a:rPr lang="de-DE" sz="4400" b="1" i="1" dirty="0" err="1">
+                <a:latin typeface="Bahnschrift" panose="020B0502040204020203" pitchFamily="34" charset="0"/>
+              </a:rPr>
+              <a:t>zero</a:t>
+            </a:r>
+            <a:r>
+              <a:rPr lang="de-DE" sz="4400" i="1" dirty="0">
+                <a:latin typeface="Bahnschrift" panose="020B0502040204020203" pitchFamily="34" charset="0"/>
+              </a:rPr>
+              <a:t> </a:t>
+            </a:r>
+            <a:r>
+              <a:rPr lang="de-DE" sz="4400" i="1" dirty="0" err="1">
+                <a:latin typeface="Bahnschrift" panose="020B0502040204020203" pitchFamily="34" charset="0"/>
+              </a:rPr>
+              <a:t>editorial</a:t>
+            </a:r>
+            <a:r>
+              <a:rPr lang="de-DE" sz="4400" i="1" dirty="0">
+                <a:latin typeface="Bahnschrift" panose="020B0502040204020203" pitchFamily="34" charset="0"/>
+              </a:rPr>
+              <a:t> </a:t>
+            </a:r>
+            <a:r>
+              <a:rPr lang="de-DE" sz="4400" i="1" dirty="0" err="1">
+                <a:latin typeface="Bahnschrift" panose="020B0502040204020203" pitchFamily="34" charset="0"/>
+              </a:rPr>
+              <a:t>work</a:t>
+            </a:r>
+            <a:r>
+              <a:rPr lang="de-DE" sz="4400" i="1" dirty="0">
+                <a:latin typeface="Bahnschrift" panose="020B0502040204020203" pitchFamily="34" charset="0"/>
+              </a:rPr>
+              <a:t>?</a:t>
+            </a:r>
+          </a:p>
+        </p:txBody>
+      </p:sp>
+    </p:spTree>
+    <p:extLst>
+      <p:ext uri="{BB962C8B-B14F-4D97-AF65-F5344CB8AC3E}">
+        <p14:creationId xmlns:p14="http://schemas.microsoft.com/office/powerpoint/2010/main" val="2497640695"/>
+      </p:ext>
+    </p:extLst>
+  </p:cSld>
+  <p:clrMapOvr>
+    <a:masterClrMapping/>
+  </p:clrMapOvr>
+</p:sld>
+</file>
+
+<file path=ppt/slides/slide4.xml><?xml version="1.0" encoding="utf-8"?>
+<p:sld xmlns:a="http://schemas.openxmlformats.org/drawingml/2006/main" xmlns:r="http://schemas.openxmlformats.org/officeDocument/2006/relationships" xmlns:p="http://schemas.openxmlformats.org/presentationml/2006/main">
+  <p:cSld>
+    <p:spTree>
+      <p:nvGrpSpPr>
+        <p:cNvPr id="1" name=""/>
+        <p:cNvGrpSpPr/>
+        <p:nvPr/>
+      </p:nvGrpSpPr>
+      <p:grpSpPr>
+        <a:xfrm>
+          <a:off x="0" y="0"/>
+          <a:ext cx="0" cy="0"/>
+          <a:chOff x="0" y="0"/>
+          <a:chExt cx="0" cy="0"/>
+        </a:xfrm>
+      </p:grpSpPr>
       <p:graphicFrame>
         <p:nvGraphicFramePr>
           <p:cNvPr id="4" name="Inhaltsplatzhalter 3">
@@ -3973,14 +4783,14 @@
             <p:ph idx="1"/>
             <p:extLst>
               <p:ext uri="{D42A27DB-BD31-4B8C-83A1-F6EECF244321}">
-                <p14:modId xmlns:p14="http://schemas.microsoft.com/office/powerpoint/2010/main" val="114871875"/>
+                <p14:modId xmlns:p14="http://schemas.microsoft.com/office/powerpoint/2010/main" val="1683339983"/>
               </p:ext>
             </p:extLst>
           </p:nvPr>
         </p:nvGraphicFramePr>
         <p:xfrm>
           <a:off x="1563052" y="1698149"/>
-          <a:ext cx="9065895" cy="3663964"/>
+          <a:ext cx="9065895" cy="3783537"/>
         </p:xfrm>
         <a:graphic>
           <a:graphicData uri="http://schemas.openxmlformats.org/drawingml/2006/table">
@@ -4039,7 +4849,11 @@
                       </a:endParaRPr>
                     </a:p>
                   </a:txBody>
-                  <a:tcPr marL="68580" marR="68580" marT="0" marB="0"/>
+                  <a:tcPr marL="68580" marR="68580" marT="0" marB="0">
+                    <a:solidFill>
+                      <a:srgbClr val="FB0000"/>
+                    </a:solidFill>
+                  </a:tcPr>
                 </a:tc>
                 <a:tc>
                   <a:txBody>
@@ -4068,7 +4882,11 @@
                       </a:endParaRPr>
                     </a:p>
                   </a:txBody>
-                  <a:tcPr marL="68580" marR="68580" marT="0" marB="0"/>
+                  <a:tcPr marL="68580" marR="68580" marT="0" marB="0">
+                    <a:solidFill>
+                      <a:srgbClr val="FB0000"/>
+                    </a:solidFill>
+                  </a:tcPr>
                 </a:tc>
                 <a:tc>
                   <a:txBody>
@@ -4097,7 +4915,11 @@
                       </a:endParaRPr>
                     </a:p>
                   </a:txBody>
-                  <a:tcPr marL="68580" marR="68580" marT="0" marB="0"/>
+                  <a:tcPr marL="68580" marR="68580" marT="0" marB="0">
+                    <a:solidFill>
+                      <a:srgbClr val="FB0000"/>
+                    </a:solidFill>
+                  </a:tcPr>
                 </a:tc>
                 <a:extLst>
                   <a:ext uri="{0D108BD9-81ED-4DB2-BD59-A6C34878D82A}">
@@ -4110,6 +4932,18 @@
                   <a:txBody>
                     <a:bodyPr/>
                     <a:lstStyle/>
+                    <a:p>
+                      <a:pPr marL="0" lvl="0" indent="0">
+                        <a:lnSpc>
+                          <a:spcPct val="107000"/>
+                        </a:lnSpc>
+                        <a:buFont typeface="Symbol" panose="05050102010706020507" pitchFamily="18" charset="2"/>
+                        <a:buNone/>
+                      </a:pPr>
+                      <a:endParaRPr lang="en-GB" sz="2300" dirty="0">
+                        <a:effectLst/>
+                      </a:endParaRPr>
+                    </a:p>
                     <a:p>
                       <a:pPr marL="0" lvl="0" indent="0">
                         <a:lnSpc>
@@ -4158,12 +4992,31 @@
                       </a:endParaRPr>
                     </a:p>
                   </a:txBody>
-                  <a:tcPr marL="68580" marR="68580" marT="0" marB="0"/>
+                  <a:tcPr marL="68580" marR="68580" marT="0" marB="0">
+                    <a:solidFill>
+                      <a:schemeClr val="bg2">
+                        <a:lumMod val="90000"/>
+                      </a:schemeClr>
+                    </a:solidFill>
+                  </a:tcPr>
                 </a:tc>
                 <a:tc>
                   <a:txBody>
                     <a:bodyPr/>
                     <a:lstStyle/>
+                    <a:p>
+                      <a:pPr>
+                        <a:lnSpc>
+                          <a:spcPct val="107000"/>
+                        </a:lnSpc>
+                        <a:spcAft>
+                          <a:spcPts val="800"/>
+                        </a:spcAft>
+                      </a:pPr>
+                      <a:endParaRPr lang="en-GB" sz="2300" dirty="0">
+                        <a:effectLst/>
+                      </a:endParaRPr>
+                    </a:p>
                     <a:p>
                       <a:pPr>
                         <a:lnSpc>
@@ -4206,7 +5059,13 @@
                       </a:endParaRPr>
                     </a:p>
                   </a:txBody>
-                  <a:tcPr marL="68580" marR="68580" marT="0" marB="0"/>
+                  <a:tcPr marL="68580" marR="68580" marT="0" marB="0">
+                    <a:solidFill>
+                      <a:schemeClr val="bg2">
+                        <a:lumMod val="90000"/>
+                      </a:schemeClr>
+                    </a:solidFill>
+                  </a:tcPr>
                 </a:tc>
                 <a:tc>
                   <a:txBody>
@@ -4221,6 +5080,11 @@
                           <a:spcPts val="800"/>
                         </a:spcAft>
                       </a:pPr>
+                      <a:br>
+                        <a:rPr lang="en-GB" sz="2300" b="1" dirty="0">
+                          <a:effectLst/>
+                        </a:rPr>
+                      </a:br>
                       <a:r>
                         <a:rPr lang="en-GB" sz="2300" b="1" dirty="0">
                           <a:effectLst/>
@@ -4315,7 +5179,13 @@
                       </a:endParaRPr>
                     </a:p>
                   </a:txBody>
-                  <a:tcPr marL="68580" marR="68580" marT="0" marB="0"/>
+                  <a:tcPr marL="68580" marR="68580" marT="0" marB="0">
+                    <a:solidFill>
+                      <a:schemeClr val="bg2">
+                        <a:lumMod val="90000"/>
+                      </a:schemeClr>
+                    </a:solidFill>
+                  </a:tcPr>
                 </a:tc>
                 <a:extLst>
                   <a:ext uri="{0D108BD9-81ED-4DB2-BD59-A6C34878D82A}">

--- a/notebooks/YouSearcher_pitch.pptx
+++ b/notebooks/YouSearcher_pitch.pptx
@@ -212,7 +212,7 @@
           <a:p>
             <a:fld id="{36BA5481-877D-4A13-961A-FDBDB52748F7}" type="datetimeFigureOut">
               <a:rPr lang="de-DE" smtClean="0"/>
-              <a:t>24.02.2021</a:t>
+              <a:t>25.02.2021</a:t>
             </a:fld>
             <a:endParaRPr lang="de-DE"/>
           </a:p>
@@ -977,8 +977,140 @@
               <a:t> =&gt; 4000 </a:t>
             </a:r>
             <a:r>
-              <a:rPr lang="de-DE"/>
+              <a:rPr lang="de-DE" dirty="0" err="1"/>
               <a:t>videos</a:t>
+            </a:r>
+            <a:endParaRPr lang="de-DE" dirty="0"/>
+          </a:p>
+          <a:p>
+            <a:r>
+              <a:rPr lang="de-DE" dirty="0" err="1"/>
+              <a:t>number</a:t>
+            </a:r>
+            <a:r>
+              <a:rPr lang="de-DE" dirty="0"/>
+              <a:t> </a:t>
+            </a:r>
+            <a:r>
+              <a:rPr lang="de-DE" dirty="0" err="1"/>
+              <a:t>of</a:t>
+            </a:r>
+            <a:r>
+              <a:rPr lang="de-DE" dirty="0"/>
+              <a:t> </a:t>
+            </a:r>
+            <a:r>
+              <a:rPr lang="de-DE" dirty="0" err="1"/>
+              <a:t>videos</a:t>
+            </a:r>
+            <a:r>
+              <a:rPr lang="de-DE" dirty="0"/>
+              <a:t>, </a:t>
+            </a:r>
+          </a:p>
+          <a:p>
+            <a:r>
+              <a:rPr lang="de-DE" dirty="0" err="1"/>
+              <a:t>amount</a:t>
+            </a:r>
+            <a:r>
+              <a:rPr lang="de-DE" dirty="0"/>
+              <a:t> </a:t>
+            </a:r>
+            <a:r>
+              <a:rPr lang="de-DE" dirty="0" err="1"/>
+              <a:t>of</a:t>
+            </a:r>
+            <a:r>
+              <a:rPr lang="de-DE" dirty="0"/>
+              <a:t> </a:t>
+            </a:r>
+            <a:r>
+              <a:rPr lang="de-DE" dirty="0" err="1"/>
+              <a:t>text</a:t>
+            </a:r>
+            <a:r>
+              <a:rPr lang="de-DE" dirty="0"/>
+              <a:t> in </a:t>
+            </a:r>
+            <a:r>
+              <a:rPr lang="de-DE" dirty="0" err="1"/>
+              <a:t>the</a:t>
+            </a:r>
+            <a:r>
+              <a:rPr lang="de-DE" dirty="0"/>
+              <a:t> </a:t>
+            </a:r>
+            <a:r>
+              <a:rPr lang="de-DE" dirty="0" err="1"/>
+              <a:t>transcripst</a:t>
+            </a:r>
+            <a:endParaRPr lang="de-DE" dirty="0"/>
+          </a:p>
+          <a:p>
+            <a:r>
+              <a:rPr lang="de-DE" dirty="0" err="1"/>
+              <a:t>number</a:t>
+            </a:r>
+            <a:r>
+              <a:rPr lang="de-DE" dirty="0"/>
+              <a:t> </a:t>
+            </a:r>
+            <a:r>
+              <a:rPr lang="de-DE" dirty="0" err="1"/>
+              <a:t>of</a:t>
+            </a:r>
+            <a:r>
+              <a:rPr lang="de-DE" dirty="0"/>
+              <a:t> </a:t>
+            </a:r>
+            <a:r>
+              <a:rPr lang="de-DE" dirty="0" err="1"/>
+              <a:t>views</a:t>
+            </a:r>
+            <a:r>
+              <a:rPr lang="de-DE" dirty="0"/>
+              <a:t> </a:t>
+            </a:r>
+            <a:r>
+              <a:rPr lang="de-DE" dirty="0" err="1"/>
+              <a:t>of</a:t>
+            </a:r>
+            <a:r>
+              <a:rPr lang="de-DE" dirty="0"/>
+              <a:t> </a:t>
+            </a:r>
+            <a:r>
+              <a:rPr lang="de-DE" dirty="0" err="1"/>
+              <a:t>the</a:t>
+            </a:r>
+            <a:r>
+              <a:rPr lang="de-DE" dirty="0"/>
+              <a:t> </a:t>
+            </a:r>
+            <a:r>
+              <a:rPr lang="de-DE" dirty="0" err="1"/>
+              <a:t>videos</a:t>
+            </a:r>
+            <a:r>
+              <a:rPr lang="de-DE" dirty="0"/>
+              <a:t> (min/</a:t>
+            </a:r>
+            <a:r>
+              <a:rPr lang="de-DE" dirty="0" err="1"/>
+              <a:t>max</a:t>
+            </a:r>
+            <a:r>
+              <a:rPr lang="de-DE" dirty="0"/>
+              <a:t>/</a:t>
+            </a:r>
+            <a:r>
+              <a:rPr lang="de-DE" dirty="0" err="1"/>
+              <a:t>mean</a:t>
+            </a:r>
+            <a:r>
+              <a:rPr lang="de-DE"/>
+              <a:t>)</a:t>
             </a:r>
             <a:endParaRPr lang="de-DE" dirty="0"/>
           </a:p>
@@ -1167,7 +1299,7 @@
           <a:p>
             <a:fld id="{34C66715-B708-497B-8D9C-943791D41B23}" type="datetimeFigureOut">
               <a:rPr lang="de-DE" smtClean="0"/>
-              <a:t>24.02.2021</a:t>
+              <a:t>25.02.2021</a:t>
             </a:fld>
             <a:endParaRPr lang="de-DE"/>
           </a:p>
@@ -1365,7 +1497,7 @@
           <a:p>
             <a:fld id="{34C66715-B708-497B-8D9C-943791D41B23}" type="datetimeFigureOut">
               <a:rPr lang="de-DE" smtClean="0"/>
-              <a:t>24.02.2021</a:t>
+              <a:t>25.02.2021</a:t>
             </a:fld>
             <a:endParaRPr lang="de-DE"/>
           </a:p>
@@ -1573,7 +1705,7 @@
           <a:p>
             <a:fld id="{34C66715-B708-497B-8D9C-943791D41B23}" type="datetimeFigureOut">
               <a:rPr lang="de-DE" smtClean="0"/>
-              <a:t>24.02.2021</a:t>
+              <a:t>25.02.2021</a:t>
             </a:fld>
             <a:endParaRPr lang="de-DE"/>
           </a:p>
@@ -1771,7 +1903,7 @@
           <a:p>
             <a:fld id="{34C66715-B708-497B-8D9C-943791D41B23}" type="datetimeFigureOut">
               <a:rPr lang="de-DE" smtClean="0"/>
-              <a:t>24.02.2021</a:t>
+              <a:t>25.02.2021</a:t>
             </a:fld>
             <a:endParaRPr lang="de-DE"/>
           </a:p>
@@ -2046,7 +2178,7 @@
           <a:p>
             <a:fld id="{34C66715-B708-497B-8D9C-943791D41B23}" type="datetimeFigureOut">
               <a:rPr lang="de-DE" smtClean="0"/>
-              <a:t>24.02.2021</a:t>
+              <a:t>25.02.2021</a:t>
             </a:fld>
             <a:endParaRPr lang="de-DE"/>
           </a:p>
@@ -2311,7 +2443,7 @@
           <a:p>
             <a:fld id="{34C66715-B708-497B-8D9C-943791D41B23}" type="datetimeFigureOut">
               <a:rPr lang="de-DE" smtClean="0"/>
-              <a:t>24.02.2021</a:t>
+              <a:t>25.02.2021</a:t>
             </a:fld>
             <a:endParaRPr lang="de-DE"/>
           </a:p>
@@ -2723,7 +2855,7 @@
           <a:p>
             <a:fld id="{34C66715-B708-497B-8D9C-943791D41B23}" type="datetimeFigureOut">
               <a:rPr lang="de-DE" smtClean="0"/>
-              <a:t>24.02.2021</a:t>
+              <a:t>25.02.2021</a:t>
             </a:fld>
             <a:endParaRPr lang="de-DE"/>
           </a:p>
@@ -2864,7 +2996,7 @@
           <a:p>
             <a:fld id="{34C66715-B708-497B-8D9C-943791D41B23}" type="datetimeFigureOut">
               <a:rPr lang="de-DE" smtClean="0"/>
-              <a:t>24.02.2021</a:t>
+              <a:t>25.02.2021</a:t>
             </a:fld>
             <a:endParaRPr lang="de-DE"/>
           </a:p>
@@ -2977,7 +3109,7 @@
           <a:p>
             <a:fld id="{34C66715-B708-497B-8D9C-943791D41B23}" type="datetimeFigureOut">
               <a:rPr lang="de-DE" smtClean="0"/>
-              <a:t>24.02.2021</a:t>
+              <a:t>25.02.2021</a:t>
             </a:fld>
             <a:endParaRPr lang="de-DE"/>
           </a:p>
@@ -3288,7 +3420,7 @@
           <a:p>
             <a:fld id="{34C66715-B708-497B-8D9C-943791D41B23}" type="datetimeFigureOut">
               <a:rPr lang="de-DE" smtClean="0"/>
-              <a:t>24.02.2021</a:t>
+              <a:t>25.02.2021</a:t>
             </a:fld>
             <a:endParaRPr lang="de-DE"/>
           </a:p>
@@ -3576,7 +3708,7 @@
           <a:p>
             <a:fld id="{34C66715-B708-497B-8D9C-943791D41B23}" type="datetimeFigureOut">
               <a:rPr lang="de-DE" smtClean="0"/>
-              <a:t>24.02.2021</a:t>
+              <a:t>25.02.2021</a:t>
             </a:fld>
             <a:endParaRPr lang="de-DE"/>
           </a:p>
@@ -3823,7 +3955,7 @@
           <a:p>
             <a:fld id="{34C66715-B708-497B-8D9C-943791D41B23}" type="datetimeFigureOut">
               <a:rPr lang="de-DE" smtClean="0"/>
-              <a:t>24.02.2021</a:t>
+              <a:t>25.02.2021</a:t>
             </a:fld>
             <a:endParaRPr lang="de-DE"/>
           </a:p>

--- a/notebooks/YouSearcher_pitch.pptx
+++ b/notebooks/YouSearcher_pitch.pptx
@@ -5,13 +5,14 @@
     <p:sldMasterId id="2147483648" r:id="rId1"/>
   </p:sldMasterIdLst>
   <p:notesMasterIdLst>
-    <p:notesMasterId r:id="rId6"/>
+    <p:notesMasterId r:id="rId7"/>
   </p:notesMasterIdLst>
   <p:sldIdLst>
     <p:sldId id="256" r:id="rId2"/>
     <p:sldId id="259" r:id="rId3"/>
     <p:sldId id="258" r:id="rId4"/>
     <p:sldId id="257" r:id="rId5"/>
+    <p:sldId id="260" r:id="rId6"/>
   </p:sldIdLst>
   <p:sldSz cx="12192000" cy="6858000"/>
   <p:notesSz cx="6858000" cy="9144000"/>
@@ -212,7 +213,7 @@
           <a:p>
             <a:fld id="{36BA5481-877D-4A13-961A-FDBDB52748F7}" type="datetimeFigureOut">
               <a:rPr lang="de-DE" smtClean="0"/>
-              <a:t>25.02.2021</a:t>
+              <a:t>26.02.2021</a:t>
             </a:fld>
             <a:endParaRPr lang="de-DE"/>
           </a:p>
@@ -967,153 +968,6 @@
             </a:r>
             <a:endParaRPr lang="en-US" dirty="0"/>
           </a:p>
-          <a:p>
-            <a:r>
-              <a:rPr lang="de-DE" dirty="0" err="1"/>
-              <a:t>Dataaset</a:t>
-            </a:r>
-            <a:r>
-              <a:rPr lang="de-DE" dirty="0"/>
-              <a:t> =&gt; 4000 </a:t>
-            </a:r>
-            <a:r>
-              <a:rPr lang="de-DE" dirty="0" err="1"/>
-              <a:t>videos</a:t>
-            </a:r>
-            <a:endParaRPr lang="de-DE" dirty="0"/>
-          </a:p>
-          <a:p>
-            <a:r>
-              <a:rPr lang="de-DE" dirty="0" err="1"/>
-              <a:t>number</a:t>
-            </a:r>
-            <a:r>
-              <a:rPr lang="de-DE" dirty="0"/>
-              <a:t> </a:t>
-            </a:r>
-            <a:r>
-              <a:rPr lang="de-DE" dirty="0" err="1"/>
-              <a:t>of</a:t>
-            </a:r>
-            <a:r>
-              <a:rPr lang="de-DE" dirty="0"/>
-              <a:t> </a:t>
-            </a:r>
-            <a:r>
-              <a:rPr lang="de-DE" dirty="0" err="1"/>
-              <a:t>videos</a:t>
-            </a:r>
-            <a:r>
-              <a:rPr lang="de-DE" dirty="0"/>
-              <a:t>, </a:t>
-            </a:r>
-          </a:p>
-          <a:p>
-            <a:r>
-              <a:rPr lang="de-DE" dirty="0" err="1"/>
-              <a:t>amount</a:t>
-            </a:r>
-            <a:r>
-              <a:rPr lang="de-DE" dirty="0"/>
-              <a:t> </a:t>
-            </a:r>
-            <a:r>
-              <a:rPr lang="de-DE" dirty="0" err="1"/>
-              <a:t>of</a:t>
-            </a:r>
-            <a:r>
-              <a:rPr lang="de-DE" dirty="0"/>
-              <a:t> </a:t>
-            </a:r>
-            <a:r>
-              <a:rPr lang="de-DE" dirty="0" err="1"/>
-              <a:t>text</a:t>
-            </a:r>
-            <a:r>
-              <a:rPr lang="de-DE" dirty="0"/>
-              <a:t> in </a:t>
-            </a:r>
-            <a:r>
-              <a:rPr lang="de-DE" dirty="0" err="1"/>
-              <a:t>the</a:t>
-            </a:r>
-            <a:r>
-              <a:rPr lang="de-DE" dirty="0"/>
-              <a:t> </a:t>
-            </a:r>
-            <a:r>
-              <a:rPr lang="de-DE" dirty="0" err="1"/>
-              <a:t>transcripst</a:t>
-            </a:r>
-            <a:endParaRPr lang="de-DE" dirty="0"/>
-          </a:p>
-          <a:p>
-            <a:r>
-              <a:rPr lang="de-DE" dirty="0" err="1"/>
-              <a:t>number</a:t>
-            </a:r>
-            <a:r>
-              <a:rPr lang="de-DE" dirty="0"/>
-              <a:t> </a:t>
-            </a:r>
-            <a:r>
-              <a:rPr lang="de-DE" dirty="0" err="1"/>
-              <a:t>of</a:t>
-            </a:r>
-            <a:r>
-              <a:rPr lang="de-DE" dirty="0"/>
-              <a:t> </a:t>
-            </a:r>
-            <a:r>
-              <a:rPr lang="de-DE" dirty="0" err="1"/>
-              <a:t>views</a:t>
-            </a:r>
-            <a:r>
-              <a:rPr lang="de-DE" dirty="0"/>
-              <a:t> </a:t>
-            </a:r>
-            <a:r>
-              <a:rPr lang="de-DE" dirty="0" err="1"/>
-              <a:t>of</a:t>
-            </a:r>
-            <a:r>
-              <a:rPr lang="de-DE" dirty="0"/>
-              <a:t> </a:t>
-            </a:r>
-            <a:r>
-              <a:rPr lang="de-DE" dirty="0" err="1"/>
-              <a:t>the</a:t>
-            </a:r>
-            <a:r>
-              <a:rPr lang="de-DE" dirty="0"/>
-              <a:t> </a:t>
-            </a:r>
-            <a:r>
-              <a:rPr lang="de-DE" dirty="0" err="1"/>
-              <a:t>videos</a:t>
-            </a:r>
-            <a:r>
-              <a:rPr lang="de-DE" dirty="0"/>
-              <a:t> (min/</a:t>
-            </a:r>
-            <a:r>
-              <a:rPr lang="de-DE" dirty="0" err="1"/>
-              <a:t>max</a:t>
-            </a:r>
-            <a:r>
-              <a:rPr lang="de-DE" dirty="0"/>
-              <a:t>/</a:t>
-            </a:r>
-            <a:r>
-              <a:rPr lang="de-DE" dirty="0" err="1"/>
-              <a:t>mean</a:t>
-            </a:r>
-            <a:r>
-              <a:rPr lang="de-DE"/>
-              <a:t>)</a:t>
-            </a:r>
-            <a:endParaRPr lang="de-DE" dirty="0"/>
-          </a:p>
         </p:txBody>
       </p:sp>
       <p:sp>
@@ -1143,6 +997,236 @@
     <p:extLst>
       <p:ext uri="{BB962C8B-B14F-4D97-AF65-F5344CB8AC3E}">
         <p14:creationId xmlns:p14="http://schemas.microsoft.com/office/powerpoint/2010/main" val="2368345615"/>
+      </p:ext>
+    </p:extLst>
+  </p:cSld>
+  <p:clrMapOvr>
+    <a:masterClrMapping/>
+  </p:clrMapOvr>
+</p:notes>
+</file>
+
+<file path=ppt/notesSlides/notesSlide4.xml><?xml version="1.0" encoding="utf-8"?>
+<p:notes xmlns:a="http://schemas.openxmlformats.org/drawingml/2006/main" xmlns:r="http://schemas.openxmlformats.org/officeDocument/2006/relationships" xmlns:p="http://schemas.openxmlformats.org/presentationml/2006/main">
+  <p:cSld>
+    <p:spTree>
+      <p:nvGrpSpPr>
+        <p:cNvPr id="1" name=""/>
+        <p:cNvGrpSpPr/>
+        <p:nvPr/>
+      </p:nvGrpSpPr>
+      <p:grpSpPr>
+        <a:xfrm>
+          <a:off x="0" y="0"/>
+          <a:ext cx="0" cy="0"/>
+          <a:chOff x="0" y="0"/>
+          <a:chExt cx="0" cy="0"/>
+        </a:xfrm>
+      </p:grpSpPr>
+      <p:sp>
+        <p:nvSpPr>
+          <p:cNvPr id="2" name="Folienbildplatzhalter 1"/>
+          <p:cNvSpPr>
+            <a:spLocks noGrp="1" noRot="1" noChangeAspect="1"/>
+          </p:cNvSpPr>
+          <p:nvPr>
+            <p:ph type="sldImg"/>
+          </p:nvPr>
+        </p:nvSpPr>
+        <p:spPr/>
+      </p:sp>
+      <p:sp>
+        <p:nvSpPr>
+          <p:cNvPr id="3" name="Notizenplatzhalter 2"/>
+          <p:cNvSpPr>
+            <a:spLocks noGrp="1"/>
+          </p:cNvSpPr>
+          <p:nvPr>
+            <p:ph type="body" idx="1"/>
+          </p:nvPr>
+        </p:nvSpPr>
+        <p:spPr/>
+        <p:txBody>
+          <a:bodyPr/>
+          <a:lstStyle/>
+          <a:p>
+            <a:r>
+              <a:rPr lang="de-DE" dirty="0" err="1"/>
+              <a:t>Dataaset</a:t>
+            </a:r>
+            <a:r>
+              <a:rPr lang="de-DE" dirty="0"/>
+              <a:t> =&gt; 4000 </a:t>
+            </a:r>
+            <a:r>
+              <a:rPr lang="de-DE" dirty="0" err="1"/>
+              <a:t>videos</a:t>
+            </a:r>
+            <a:endParaRPr lang="de-DE" dirty="0"/>
+          </a:p>
+          <a:p>
+            <a:r>
+              <a:rPr lang="de-DE" dirty="0" err="1"/>
+              <a:t>number</a:t>
+            </a:r>
+            <a:r>
+              <a:rPr lang="de-DE" dirty="0"/>
+              <a:t> </a:t>
+            </a:r>
+            <a:r>
+              <a:rPr lang="de-DE" dirty="0" err="1"/>
+              <a:t>of</a:t>
+            </a:r>
+            <a:r>
+              <a:rPr lang="de-DE" dirty="0"/>
+              <a:t> </a:t>
+            </a:r>
+            <a:r>
+              <a:rPr lang="de-DE" dirty="0" err="1"/>
+              <a:t>videos</a:t>
+            </a:r>
+            <a:r>
+              <a:rPr lang="de-DE" dirty="0"/>
+              <a:t>, </a:t>
+            </a:r>
+          </a:p>
+          <a:p>
+            <a:r>
+              <a:rPr lang="de-DE" dirty="0" err="1"/>
+              <a:t>amount</a:t>
+            </a:r>
+            <a:r>
+              <a:rPr lang="de-DE" dirty="0"/>
+              <a:t> </a:t>
+            </a:r>
+            <a:r>
+              <a:rPr lang="de-DE" dirty="0" err="1"/>
+              <a:t>of</a:t>
+            </a:r>
+            <a:r>
+              <a:rPr lang="de-DE" dirty="0"/>
+              <a:t> </a:t>
+            </a:r>
+            <a:r>
+              <a:rPr lang="de-DE" dirty="0" err="1"/>
+              <a:t>text</a:t>
+            </a:r>
+            <a:r>
+              <a:rPr lang="de-DE" dirty="0"/>
+              <a:t> in </a:t>
+            </a:r>
+            <a:r>
+              <a:rPr lang="de-DE" dirty="0" err="1"/>
+              <a:t>the</a:t>
+            </a:r>
+            <a:r>
+              <a:rPr lang="de-DE" dirty="0"/>
+              <a:t> </a:t>
+            </a:r>
+            <a:r>
+              <a:rPr lang="de-DE" dirty="0" err="1"/>
+              <a:t>transcripst</a:t>
+            </a:r>
+            <a:endParaRPr lang="de-DE" dirty="0"/>
+          </a:p>
+          <a:p>
+            <a:r>
+              <a:rPr lang="de-DE" dirty="0" err="1"/>
+              <a:t>number</a:t>
+            </a:r>
+            <a:r>
+              <a:rPr lang="de-DE" dirty="0"/>
+              <a:t> </a:t>
+            </a:r>
+            <a:r>
+              <a:rPr lang="de-DE" dirty="0" err="1"/>
+              <a:t>of</a:t>
+            </a:r>
+            <a:r>
+              <a:rPr lang="de-DE" dirty="0"/>
+              <a:t> </a:t>
+            </a:r>
+            <a:r>
+              <a:rPr lang="de-DE" dirty="0" err="1"/>
+              <a:t>views</a:t>
+            </a:r>
+            <a:r>
+              <a:rPr lang="de-DE" dirty="0"/>
+              <a:t> </a:t>
+            </a:r>
+            <a:r>
+              <a:rPr lang="de-DE" dirty="0" err="1"/>
+              <a:t>of</a:t>
+            </a:r>
+            <a:r>
+              <a:rPr lang="de-DE" dirty="0"/>
+              <a:t> </a:t>
+            </a:r>
+            <a:r>
+              <a:rPr lang="de-DE" dirty="0" err="1"/>
+              <a:t>the</a:t>
+            </a:r>
+            <a:r>
+              <a:rPr lang="de-DE" dirty="0"/>
+              <a:t> </a:t>
+            </a:r>
+            <a:r>
+              <a:rPr lang="de-DE" dirty="0" err="1"/>
+              <a:t>videos</a:t>
+            </a:r>
+            <a:r>
+              <a:rPr lang="de-DE" dirty="0"/>
+              <a:t> (min/</a:t>
+            </a:r>
+            <a:r>
+              <a:rPr lang="de-DE" dirty="0" err="1"/>
+              <a:t>max</a:t>
+            </a:r>
+            <a:r>
+              <a:rPr lang="de-DE" dirty="0"/>
+              <a:t>/</a:t>
+            </a:r>
+            <a:r>
+              <a:rPr lang="de-DE" dirty="0" err="1"/>
+              <a:t>mean</a:t>
+            </a:r>
+            <a:r>
+              <a:rPr lang="de-DE" dirty="0"/>
+              <a:t>)</a:t>
+            </a:r>
+          </a:p>
+          <a:p>
+            <a:endParaRPr lang="de-DE" dirty="0"/>
+          </a:p>
+        </p:txBody>
+      </p:sp>
+      <p:sp>
+        <p:nvSpPr>
+          <p:cNvPr id="4" name="Foliennummernplatzhalter 3"/>
+          <p:cNvSpPr>
+            <a:spLocks noGrp="1"/>
+          </p:cNvSpPr>
+          <p:nvPr>
+            <p:ph type="sldNum" sz="quarter" idx="5"/>
+          </p:nvPr>
+        </p:nvSpPr>
+        <p:spPr/>
+        <p:txBody>
+          <a:bodyPr/>
+          <a:lstStyle/>
+          <a:p>
+            <a:fld id="{C5C1296C-3373-4A27-9ACE-E23172E10B93}" type="slidenum">
+              <a:rPr lang="de-DE" smtClean="0"/>
+              <a:t>5</a:t>
+            </a:fld>
+            <a:endParaRPr lang="de-DE"/>
+          </a:p>
+        </p:txBody>
+      </p:sp>
+    </p:spTree>
+    <p:extLst>
+      <p:ext uri="{BB962C8B-B14F-4D97-AF65-F5344CB8AC3E}">
+        <p14:creationId xmlns:p14="http://schemas.microsoft.com/office/powerpoint/2010/main" val="2345628631"/>
       </p:ext>
     </p:extLst>
   </p:cSld>
@@ -1299,7 +1383,7 @@
           <a:p>
             <a:fld id="{34C66715-B708-497B-8D9C-943791D41B23}" type="datetimeFigureOut">
               <a:rPr lang="de-DE" smtClean="0"/>
-              <a:t>25.02.2021</a:t>
+              <a:t>26.02.2021</a:t>
             </a:fld>
             <a:endParaRPr lang="de-DE"/>
           </a:p>
@@ -1497,7 +1581,7 @@
           <a:p>
             <a:fld id="{34C66715-B708-497B-8D9C-943791D41B23}" type="datetimeFigureOut">
               <a:rPr lang="de-DE" smtClean="0"/>
-              <a:t>25.02.2021</a:t>
+              <a:t>26.02.2021</a:t>
             </a:fld>
             <a:endParaRPr lang="de-DE"/>
           </a:p>
@@ -1705,7 +1789,7 @@
           <a:p>
             <a:fld id="{34C66715-B708-497B-8D9C-943791D41B23}" type="datetimeFigureOut">
               <a:rPr lang="de-DE" smtClean="0"/>
-              <a:t>25.02.2021</a:t>
+              <a:t>26.02.2021</a:t>
             </a:fld>
             <a:endParaRPr lang="de-DE"/>
           </a:p>
@@ -1903,7 +1987,7 @@
           <a:p>
             <a:fld id="{34C66715-B708-497B-8D9C-943791D41B23}" type="datetimeFigureOut">
               <a:rPr lang="de-DE" smtClean="0"/>
-              <a:t>25.02.2021</a:t>
+              <a:t>26.02.2021</a:t>
             </a:fld>
             <a:endParaRPr lang="de-DE"/>
           </a:p>
@@ -2178,7 +2262,7 @@
           <a:p>
             <a:fld id="{34C66715-B708-497B-8D9C-943791D41B23}" type="datetimeFigureOut">
               <a:rPr lang="de-DE" smtClean="0"/>
-              <a:t>25.02.2021</a:t>
+              <a:t>26.02.2021</a:t>
             </a:fld>
             <a:endParaRPr lang="de-DE"/>
           </a:p>
@@ -2443,7 +2527,7 @@
           <a:p>
             <a:fld id="{34C66715-B708-497B-8D9C-943791D41B23}" type="datetimeFigureOut">
               <a:rPr lang="de-DE" smtClean="0"/>
-              <a:t>25.02.2021</a:t>
+              <a:t>26.02.2021</a:t>
             </a:fld>
             <a:endParaRPr lang="de-DE"/>
           </a:p>
@@ -2855,7 +2939,7 @@
           <a:p>
             <a:fld id="{34C66715-B708-497B-8D9C-943791D41B23}" type="datetimeFigureOut">
               <a:rPr lang="de-DE" smtClean="0"/>
-              <a:t>25.02.2021</a:t>
+              <a:t>26.02.2021</a:t>
             </a:fld>
             <a:endParaRPr lang="de-DE"/>
           </a:p>
@@ -2996,7 +3080,7 @@
           <a:p>
             <a:fld id="{34C66715-B708-497B-8D9C-943791D41B23}" type="datetimeFigureOut">
               <a:rPr lang="de-DE" smtClean="0"/>
-              <a:t>25.02.2021</a:t>
+              <a:t>26.02.2021</a:t>
             </a:fld>
             <a:endParaRPr lang="de-DE"/>
           </a:p>
@@ -3109,7 +3193,7 @@
           <a:p>
             <a:fld id="{34C66715-B708-497B-8D9C-943791D41B23}" type="datetimeFigureOut">
               <a:rPr lang="de-DE" smtClean="0"/>
-              <a:t>25.02.2021</a:t>
+              <a:t>26.02.2021</a:t>
             </a:fld>
             <a:endParaRPr lang="de-DE"/>
           </a:p>
@@ -3420,7 +3504,7 @@
           <a:p>
             <a:fld id="{34C66715-B708-497B-8D9C-943791D41B23}" type="datetimeFigureOut">
               <a:rPr lang="de-DE" smtClean="0"/>
-              <a:t>25.02.2021</a:t>
+              <a:t>26.02.2021</a:t>
             </a:fld>
             <a:endParaRPr lang="de-DE"/>
           </a:p>
@@ -3708,7 +3792,7 @@
           <a:p>
             <a:fld id="{34C66715-B708-497B-8D9C-943791D41B23}" type="datetimeFigureOut">
               <a:rPr lang="de-DE" smtClean="0"/>
-              <a:t>25.02.2021</a:t>
+              <a:t>26.02.2021</a:t>
             </a:fld>
             <a:endParaRPr lang="de-DE"/>
           </a:p>
@@ -3955,7 +4039,7 @@
           <a:p>
             <a:fld id="{34C66715-B708-497B-8D9C-943791D41B23}" type="datetimeFigureOut">
               <a:rPr lang="de-DE" smtClean="0"/>
-              <a:t>25.02.2021</a:t>
+              <a:t>26.02.2021</a:t>
             </a:fld>
             <a:endParaRPr lang="de-DE"/>
           </a:p>
@@ -5333,6 +5417,242 @@
     <p:extLst>
       <p:ext uri="{BB962C8B-B14F-4D97-AF65-F5344CB8AC3E}">
         <p14:creationId xmlns:p14="http://schemas.microsoft.com/office/powerpoint/2010/main" val="3276686106"/>
+      </p:ext>
+    </p:extLst>
+  </p:cSld>
+  <p:clrMapOvr>
+    <a:masterClrMapping/>
+  </p:clrMapOvr>
+</p:sld>
+</file>
+
+<file path=ppt/slides/slide5.xml><?xml version="1.0" encoding="utf-8"?>
+<p:sld xmlns:a="http://schemas.openxmlformats.org/drawingml/2006/main" xmlns:r="http://schemas.openxmlformats.org/officeDocument/2006/relationships" xmlns:p="http://schemas.openxmlformats.org/presentationml/2006/main">
+  <p:cSld>
+    <p:spTree>
+      <p:nvGrpSpPr>
+        <p:cNvPr id="1" name=""/>
+        <p:cNvGrpSpPr/>
+        <p:nvPr/>
+      </p:nvGrpSpPr>
+      <p:grpSpPr>
+        <a:xfrm>
+          <a:off x="0" y="0"/>
+          <a:ext cx="0" cy="0"/>
+          <a:chOff x="0" y="0"/>
+          <a:chExt cx="0" cy="0"/>
+        </a:xfrm>
+      </p:grpSpPr>
+      <p:sp>
+        <p:nvSpPr>
+          <p:cNvPr id="2" name="Titel 1">
+            <a:extLst>
+              <a:ext uri="{FF2B5EF4-FFF2-40B4-BE49-F238E27FC236}">
+                <a16:creationId xmlns:a16="http://schemas.microsoft.com/office/drawing/2014/main" id="{1FDD1D61-7147-4231-B909-292D2F4C8A3D}"/>
+              </a:ext>
+            </a:extLst>
+          </p:cNvPr>
+          <p:cNvSpPr>
+            <a:spLocks noGrp="1"/>
+          </p:cNvSpPr>
+          <p:nvPr>
+            <p:ph type="title"/>
+          </p:nvPr>
+        </p:nvSpPr>
+        <p:spPr/>
+        <p:txBody>
+          <a:bodyPr>
+            <a:normAutofit/>
+          </a:bodyPr>
+          <a:lstStyle/>
+          <a:p>
+            <a:pPr algn="ctr"/>
+            <a:r>
+              <a:rPr lang="de-DE" sz="8000" dirty="0">
+                <a:latin typeface="Bahnschrift" panose="020B0502040204020203" pitchFamily="34" charset="0"/>
+              </a:rPr>
+              <a:t>Dataset</a:t>
+            </a:r>
+            <a:endParaRPr lang="de-DE" sz="6000" dirty="0">
+              <a:latin typeface="Bahnschrift" panose="020B0502040204020203" pitchFamily="34" charset="0"/>
+            </a:endParaRPr>
+          </a:p>
+        </p:txBody>
+      </p:sp>
+      <p:sp>
+        <p:nvSpPr>
+          <p:cNvPr id="3" name="Inhaltsplatzhalter 2">
+            <a:extLst>
+              <a:ext uri="{FF2B5EF4-FFF2-40B4-BE49-F238E27FC236}">
+                <a16:creationId xmlns:a16="http://schemas.microsoft.com/office/drawing/2014/main" id="{6067B764-AD27-43E3-A342-EF0C405D1DEE}"/>
+              </a:ext>
+            </a:extLst>
+          </p:cNvPr>
+          <p:cNvSpPr>
+            <a:spLocks noGrp="1"/>
+          </p:cNvSpPr>
+          <p:nvPr>
+            <p:ph idx="1"/>
+          </p:nvPr>
+        </p:nvSpPr>
+        <p:spPr/>
+        <p:txBody>
+          <a:bodyPr/>
+          <a:lstStyle/>
+          <a:p>
+            <a:pPr marL="0" indent="0">
+              <a:buNone/>
+            </a:pPr>
+            <a:endParaRPr lang="de-DE" sz="4000" dirty="0">
+              <a:latin typeface="Bahnschrift" panose="020B0502040204020203" pitchFamily="34" charset="0"/>
+            </a:endParaRPr>
+          </a:p>
+          <a:p>
+            <a:pPr marL="0" indent="0">
+              <a:buNone/>
+            </a:pPr>
+            <a:r>
+              <a:rPr lang="de-DE" sz="4000" dirty="0">
+                <a:latin typeface="Bahnschrift" panose="020B0502040204020203" pitchFamily="34" charset="0"/>
+              </a:rPr>
+              <a:t>~ 4,000 US </a:t>
+            </a:r>
+            <a:r>
+              <a:rPr lang="de-DE" sz="4000" dirty="0" err="1">
+                <a:latin typeface="Bahnschrift" panose="020B0502040204020203" pitchFamily="34" charset="0"/>
+              </a:rPr>
+              <a:t>videos</a:t>
+            </a:r>
+            <a:r>
+              <a:rPr lang="de-DE" sz="4000" dirty="0">
+                <a:latin typeface="Bahnschrift" panose="020B0502040204020203" pitchFamily="34" charset="0"/>
+              </a:rPr>
+              <a:t> from </a:t>
+            </a:r>
+            <a:r>
+              <a:rPr lang="de-DE" sz="4000" dirty="0">
+                <a:latin typeface="Bahnschrift" panose="020B0502040204020203" pitchFamily="34" charset="0"/>
+                <a:hlinkClick r:id="rId3"/>
+              </a:rPr>
+              <a:t>Kaggle </a:t>
+            </a:r>
+            <a:r>
+              <a:rPr lang="de-DE" sz="4000" dirty="0" err="1">
+                <a:latin typeface="Bahnschrift" panose="020B0502040204020203" pitchFamily="34" charset="0"/>
+                <a:hlinkClick r:id="rId3"/>
+              </a:rPr>
+              <a:t>dataset</a:t>
+            </a:r>
+            <a:endParaRPr lang="de-DE" sz="4000" dirty="0">
+              <a:latin typeface="Bahnschrift" panose="020B0502040204020203" pitchFamily="34" charset="0"/>
+            </a:endParaRPr>
+          </a:p>
+          <a:p>
+            <a:pPr marL="0" indent="0">
+              <a:buNone/>
+            </a:pPr>
+            <a:r>
+              <a:rPr lang="de-DE" sz="4000" dirty="0">
+                <a:latin typeface="Bahnschrift" panose="020B0502040204020203" pitchFamily="34" charset="0"/>
+              </a:rPr>
+              <a:t>~ 7,000 </a:t>
+            </a:r>
+            <a:r>
+              <a:rPr lang="de-DE" sz="4000" dirty="0" err="1">
+                <a:latin typeface="Bahnschrift" panose="020B0502040204020203" pitchFamily="34" charset="0"/>
+              </a:rPr>
+              <a:t>words</a:t>
+            </a:r>
+            <a:r>
+              <a:rPr lang="de-DE" sz="4000" dirty="0">
+                <a:latin typeface="Bahnschrift" panose="020B0502040204020203" pitchFamily="34" charset="0"/>
+              </a:rPr>
+              <a:t> </a:t>
+            </a:r>
+            <a:r>
+              <a:rPr lang="de-DE" sz="4000" dirty="0" err="1">
+                <a:latin typeface="Bahnschrift" panose="020B0502040204020203" pitchFamily="34" charset="0"/>
+              </a:rPr>
+              <a:t>avg</a:t>
+            </a:r>
+            <a:r>
+              <a:rPr lang="de-DE" sz="4000" dirty="0">
+                <a:latin typeface="Bahnschrift" panose="020B0502040204020203" pitchFamily="34" charset="0"/>
+              </a:rPr>
+              <a:t>. </a:t>
+            </a:r>
+            <a:r>
+              <a:rPr lang="de-DE" sz="4000" dirty="0" err="1">
+                <a:latin typeface="Bahnschrift" panose="020B0502040204020203" pitchFamily="34" charset="0"/>
+              </a:rPr>
+              <a:t>word</a:t>
+            </a:r>
+            <a:r>
+              <a:rPr lang="de-DE" sz="4000" dirty="0">
+                <a:latin typeface="Bahnschrift" panose="020B0502040204020203" pitchFamily="34" charset="0"/>
+              </a:rPr>
+              <a:t> </a:t>
+            </a:r>
+            <a:r>
+              <a:rPr lang="de-DE" sz="4000" dirty="0" err="1">
+                <a:latin typeface="Bahnschrift" panose="020B0502040204020203" pitchFamily="34" charset="0"/>
+              </a:rPr>
+              <a:t>count</a:t>
+            </a:r>
+            <a:r>
+              <a:rPr lang="de-DE" sz="4000" dirty="0">
+                <a:latin typeface="Bahnschrift" panose="020B0502040204020203" pitchFamily="34" charset="0"/>
+              </a:rPr>
+              <a:t> per </a:t>
+            </a:r>
+            <a:r>
+              <a:rPr lang="de-DE" sz="4000" dirty="0" err="1">
+                <a:latin typeface="Bahnschrift" panose="020B0502040204020203" pitchFamily="34" charset="0"/>
+              </a:rPr>
+              <a:t>video</a:t>
+            </a:r>
+            <a:endParaRPr lang="de-DE" sz="4000" dirty="0">
+              <a:latin typeface="Bahnschrift" panose="020B0502040204020203" pitchFamily="34" charset="0"/>
+            </a:endParaRPr>
+          </a:p>
+          <a:p>
+            <a:pPr marL="0" indent="0">
+              <a:buNone/>
+            </a:pPr>
+            <a:r>
+              <a:rPr lang="de-DE" sz="4000" dirty="0">
+                <a:latin typeface="Bahnschrift" panose="020B0502040204020203" pitchFamily="34" charset="0"/>
+              </a:rPr>
+              <a:t>~ 700,000 median </a:t>
+            </a:r>
+            <a:r>
+              <a:rPr lang="de-DE" sz="4000" dirty="0" err="1">
+                <a:latin typeface="Bahnschrift" panose="020B0502040204020203" pitchFamily="34" charset="0"/>
+              </a:rPr>
+              <a:t>views</a:t>
+            </a:r>
+            <a:r>
+              <a:rPr lang="de-DE" sz="4000" dirty="0">
+                <a:latin typeface="Bahnschrift" panose="020B0502040204020203" pitchFamily="34" charset="0"/>
+              </a:rPr>
+              <a:t> per </a:t>
+            </a:r>
+            <a:r>
+              <a:rPr lang="de-DE" sz="4000" dirty="0" err="1">
+                <a:latin typeface="Bahnschrift" panose="020B0502040204020203" pitchFamily="34" charset="0"/>
+              </a:rPr>
+              <a:t>video</a:t>
+            </a:r>
+            <a:endParaRPr lang="de-DE" sz="4000" dirty="0">
+              <a:latin typeface="Bahnschrift" panose="020B0502040204020203" pitchFamily="34" charset="0"/>
+            </a:endParaRPr>
+          </a:p>
+        </p:txBody>
+      </p:sp>
+    </p:spTree>
+    <p:extLst>
+      <p:ext uri="{BB962C8B-B14F-4D97-AF65-F5344CB8AC3E}">
+        <p14:creationId xmlns:p14="http://schemas.microsoft.com/office/powerpoint/2010/main" val="4100979178"/>
       </p:ext>
     </p:extLst>
   </p:cSld>
